--- a/Unit 4/Live Session Unit 4 and BO.pptx
+++ b/Unit 4/Live Session Unit 4 and BO.pptx
@@ -249,7 +249,7 @@
           <a:p>
             <a:fld id="{4E223589-D1FE-5045-809F-56B69D3AD8BF}" type="datetimeFigureOut">
               <a:rPr lang="en-US" smtClean="0"/>
-              <a:t>9/17/19</a:t>
+              <a:t>5/26/20</a:t>
             </a:fld>
             <a:endParaRPr lang="en-US"/>
           </a:p>
@@ -419,7 +419,7 @@
           <a:p>
             <a:fld id="{4E223589-D1FE-5045-809F-56B69D3AD8BF}" type="datetimeFigureOut">
               <a:rPr lang="en-US" smtClean="0"/>
-              <a:t>9/17/19</a:t>
+              <a:t>5/26/20</a:t>
             </a:fld>
             <a:endParaRPr lang="en-US"/>
           </a:p>
@@ -599,7 +599,7 @@
           <a:p>
             <a:fld id="{4E223589-D1FE-5045-809F-56B69D3AD8BF}" type="datetimeFigureOut">
               <a:rPr lang="en-US" smtClean="0"/>
-              <a:t>9/17/19</a:t>
+              <a:t>5/26/20</a:t>
             </a:fld>
             <a:endParaRPr lang="en-US"/>
           </a:p>
@@ -769,7 +769,7 @@
           <a:p>
             <a:fld id="{4E223589-D1FE-5045-809F-56B69D3AD8BF}" type="datetimeFigureOut">
               <a:rPr lang="en-US" smtClean="0"/>
-              <a:t>9/17/19</a:t>
+              <a:t>5/26/20</a:t>
             </a:fld>
             <a:endParaRPr lang="en-US"/>
           </a:p>
@@ -1013,7 +1013,7 @@
           <a:p>
             <a:fld id="{4E223589-D1FE-5045-809F-56B69D3AD8BF}" type="datetimeFigureOut">
               <a:rPr lang="en-US" smtClean="0"/>
-              <a:t>9/17/19</a:t>
+              <a:t>5/26/20</a:t>
             </a:fld>
             <a:endParaRPr lang="en-US"/>
           </a:p>
@@ -1245,7 +1245,7 @@
           <a:p>
             <a:fld id="{4E223589-D1FE-5045-809F-56B69D3AD8BF}" type="datetimeFigureOut">
               <a:rPr lang="en-US" smtClean="0"/>
-              <a:t>9/17/19</a:t>
+              <a:t>5/26/20</a:t>
             </a:fld>
             <a:endParaRPr lang="en-US"/>
           </a:p>
@@ -1612,7 +1612,7 @@
           <a:p>
             <a:fld id="{4E223589-D1FE-5045-809F-56B69D3AD8BF}" type="datetimeFigureOut">
               <a:rPr lang="en-US" smtClean="0"/>
-              <a:t>9/17/19</a:t>
+              <a:t>5/26/20</a:t>
             </a:fld>
             <a:endParaRPr lang="en-US"/>
           </a:p>
@@ -1730,7 +1730,7 @@
           <a:p>
             <a:fld id="{4E223589-D1FE-5045-809F-56B69D3AD8BF}" type="datetimeFigureOut">
               <a:rPr lang="en-US" smtClean="0"/>
-              <a:t>9/17/19</a:t>
+              <a:t>5/26/20</a:t>
             </a:fld>
             <a:endParaRPr lang="en-US"/>
           </a:p>
@@ -1825,7 +1825,7 @@
           <a:p>
             <a:fld id="{4E223589-D1FE-5045-809F-56B69D3AD8BF}" type="datetimeFigureOut">
               <a:rPr lang="en-US" smtClean="0"/>
-              <a:t>9/17/19</a:t>
+              <a:t>5/26/20</a:t>
             </a:fld>
             <a:endParaRPr lang="en-US"/>
           </a:p>
@@ -2102,7 +2102,7 @@
           <a:p>
             <a:fld id="{4E223589-D1FE-5045-809F-56B69D3AD8BF}" type="datetimeFigureOut">
               <a:rPr lang="en-US" smtClean="0"/>
-              <a:t>9/17/19</a:t>
+              <a:t>5/26/20</a:t>
             </a:fld>
             <a:endParaRPr lang="en-US"/>
           </a:p>
@@ -2359,7 +2359,7 @@
           <a:p>
             <a:fld id="{4E223589-D1FE-5045-809F-56B69D3AD8BF}" type="datetimeFigureOut">
               <a:rPr lang="en-US" smtClean="0"/>
-              <a:t>9/17/19</a:t>
+              <a:t>5/26/20</a:t>
             </a:fld>
             <a:endParaRPr lang="en-US"/>
           </a:p>
@@ -2572,7 +2572,7 @@
           <a:p>
             <a:fld id="{4E223589-D1FE-5045-809F-56B69D3AD8BF}" type="datetimeFigureOut">
               <a:rPr lang="en-US" smtClean="0"/>
-              <a:t>9/17/19</a:t>
+              <a:t>5/26/20</a:t>
             </a:fld>
             <a:endParaRPr lang="en-US"/>
           </a:p>
@@ -3792,7 +3792,7 @@
             <a:pPr algn="ctr"/>
             <a:r>
               <a:rPr lang="en-US" dirty="0"/>
-              <a:t>System frequencies at approximately 0, .15, .29, .43.</a:t>
+              <a:t>System frequencies at approximately 0, .002, .15, .29, .43.</a:t>
             </a:r>
           </a:p>
         </p:txBody>
@@ -4700,8 +4700,8 @@
           </p:sp>
         </mc:Fallback>
       </mc:AlternateContent>
-      <mc:AlternateContent xmlns:mc="http://schemas.openxmlformats.org/markup-compatibility/2006" xmlns:a14="http://schemas.microsoft.com/office/drawing/2010/main">
-        <mc:Choice Requires="a14">
+      <mc:AlternateContent xmlns:mc="http://schemas.openxmlformats.org/markup-compatibility/2006">
+        <mc:Choice xmlns:a14="http://schemas.microsoft.com/office/drawing/2010/main" Requires="a14">
           <p:sp>
             <p:nvSpPr>
               <p:cNvPr id="10" name="TextBox 9">
@@ -5119,10 +5119,16 @@
                         </m:sub>
                       </m:sSub>
                       <m:r>
+                        <a:rPr lang="en-US" sz="1300" b="0" i="1" smtClean="0">
+                          <a:latin typeface="Cambria Math" panose="02040503050406030204" pitchFamily="18" charset="0"/>
+                        </a:rPr>
+                        <m:t>+</m:t>
+                      </m:r>
+                      <m:r>
                         <a:rPr lang="en-US" sz="1300" i="1">
                           <a:latin typeface="Cambria Math" panose="02040503050406030204" pitchFamily="18" charset="0"/>
                         </a:rPr>
-                        <m:t>−.</m:t>
+                        <m:t>.</m:t>
                       </m:r>
                       <m:r>
                         <a:rPr lang="en-US" sz="1300" b="0" i="1" smtClean="0">
@@ -5200,7 +5206,7 @@
             </p:txBody>
           </p:sp>
         </mc:Choice>
-        <mc:Fallback xmlns="">
+        <mc:Fallback>
           <p:sp>
             <p:nvSpPr>
               <p:cNvPr id="10" name="TextBox 9">
@@ -6128,8 +6134,8 @@
           </p:sp>
         </mc:Fallback>
       </mc:AlternateContent>
-      <mc:AlternateContent xmlns:mc="http://schemas.openxmlformats.org/markup-compatibility/2006" xmlns:a14="http://schemas.microsoft.com/office/drawing/2010/main">
-        <mc:Choice Requires="a14">
+      <mc:AlternateContent xmlns:mc="http://schemas.openxmlformats.org/markup-compatibility/2006">
+        <mc:Choice xmlns:a14="http://schemas.microsoft.com/office/drawing/2010/main" Requires="a14">
           <p:sp>
             <p:nvSpPr>
               <p:cNvPr id="11" name="TextBox 10">
@@ -6145,7 +6151,7 @@
             <p:spPr>
               <a:xfrm>
                 <a:off x="369339" y="5455068"/>
-                <a:ext cx="4065344" cy="276999"/>
+                <a:ext cx="3937103" cy="276999"/>
               </a:xfrm>
               <a:prstGeom prst="rect">
                 <a:avLst/>
@@ -6206,7 +6212,19 @@
                         <a:rPr lang="en-US" b="0" i="1" smtClean="0">
                           <a:latin typeface="Cambria Math" panose="02040503050406030204" pitchFamily="18" charset="0"/>
                         </a:rPr>
-                        <m:t>+.9</m:t>
+                        <m:t>−</m:t>
+                      </m:r>
+                      <m:r>
+                        <a:rPr lang="en-US" b="0" i="1" smtClean="0">
+                          <a:latin typeface="Cambria Math" panose="02040503050406030204" pitchFamily="18" charset="0"/>
+                        </a:rPr>
+                        <m:t>.</m:t>
+                      </m:r>
+                      <m:r>
+                        <a:rPr lang="en-US" b="0" i="1" smtClean="0">
+                          <a:latin typeface="Cambria Math" panose="02040503050406030204" pitchFamily="18" charset="0"/>
+                        </a:rPr>
+                        <m:t>8</m:t>
                       </m:r>
                       <m:sSub>
                         <m:sSubPr>
@@ -6258,7 +6276,13 @@
                             <a:rPr lang="en-US" b="0" i="1" smtClean="0">
                               <a:latin typeface="Cambria Math" panose="02040503050406030204" pitchFamily="18" charset="0"/>
                             </a:rPr>
-                            <m:t>.67</m:t>
+                            <m:t>.</m:t>
+                          </m:r>
+                          <m:r>
+                            <a:rPr lang="en-US" b="0" i="1" smtClean="0">
+                              <a:latin typeface="Cambria Math" panose="02040503050406030204" pitchFamily="18" charset="0"/>
+                            </a:rPr>
+                            <m:t>86</m:t>
                           </m:r>
                           <m:r>
                             <a:rPr lang="en-US" i="1">
@@ -6286,7 +6310,7 @@
                         <a:rPr lang="en-US" b="0" i="1" smtClean="0">
                           <a:latin typeface="Cambria Math" panose="02040503050406030204" pitchFamily="18" charset="0"/>
                         </a:rPr>
-                        <m:t>+.2994</m:t>
+                        <m:t>−.855</m:t>
                       </m:r>
                       <m:sSub>
                         <m:sSubPr>
@@ -6358,7 +6382,7 @@
             </p:txBody>
           </p:sp>
         </mc:Choice>
-        <mc:Fallback xmlns="">
+        <mc:Fallback>
           <p:sp>
             <p:nvSpPr>
               <p:cNvPr id="11" name="TextBox 10">
@@ -6376,7 +6400,7 @@
             <p:spPr>
               <a:xfrm>
                 <a:off x="369339" y="5455068"/>
-                <a:ext cx="4065344" cy="276999"/>
+                <a:ext cx="3937103" cy="276999"/>
               </a:xfrm>
               <a:prstGeom prst="rect">
                 <a:avLst/>
@@ -6384,7 +6408,7 @@
               <a:blipFill>
                 <a:blip r:embed="rId5"/>
                 <a:stretch>
-                  <a:fillRect l="-935" b="-13636"/>
+                  <a:fillRect l="-965" b="-13636"/>
                 </a:stretch>
               </a:blipFill>
             </p:spPr>
@@ -6493,12 +6517,152 @@
           </a:prstGeom>
         </p:spPr>
       </p:pic>
+      <p:sp>
+        <p:nvSpPr>
+          <p:cNvPr id="16" name="TextBox 15">
+            <a:extLst>
+              <a:ext uri="{FF2B5EF4-FFF2-40B4-BE49-F238E27FC236}">
+                <a16:creationId xmlns:a16="http://schemas.microsoft.com/office/drawing/2014/main" id="{339DEC00-5B65-1248-B0A4-C686FE2710F6}"/>
+              </a:ext>
+            </a:extLst>
+          </p:cNvPr>
+          <p:cNvSpPr txBox="1"/>
+          <p:nvPr/>
+        </p:nvSpPr>
+        <p:spPr>
+          <a:xfrm>
+            <a:off x="6054995" y="1892074"/>
+            <a:ext cx="409433" cy="369332"/>
+          </a:xfrm>
+          <a:prstGeom prst="rect">
+            <a:avLst/>
+          </a:prstGeom>
+          <a:noFill/>
+        </p:spPr>
+        <p:txBody>
+          <a:bodyPr wrap="square" rtlCol="0">
+            <a:spAutoFit/>
+          </a:bodyPr>
+          <a:lstStyle/>
+          <a:p>
+            <a:r>
+              <a:rPr lang="en-US" dirty="0"/>
+              <a:t>1.</a:t>
+            </a:r>
+          </a:p>
+        </p:txBody>
+      </p:sp>
+      <p:sp>
+        <p:nvSpPr>
+          <p:cNvPr id="17" name="TextBox 16">
+            <a:extLst>
+              <a:ext uri="{FF2B5EF4-FFF2-40B4-BE49-F238E27FC236}">
+                <a16:creationId xmlns:a16="http://schemas.microsoft.com/office/drawing/2014/main" id="{AC398BBC-B8DA-4E40-9056-6D8FB87DDC76}"/>
+              </a:ext>
+            </a:extLst>
+          </p:cNvPr>
+          <p:cNvSpPr txBox="1"/>
+          <p:nvPr/>
+        </p:nvSpPr>
+        <p:spPr>
+          <a:xfrm>
+            <a:off x="5875728" y="3168934"/>
+            <a:ext cx="409433" cy="369332"/>
+          </a:xfrm>
+          <a:prstGeom prst="rect">
+            <a:avLst/>
+          </a:prstGeom>
+          <a:noFill/>
+        </p:spPr>
+        <p:txBody>
+          <a:bodyPr wrap="square" rtlCol="0">
+            <a:spAutoFit/>
+          </a:bodyPr>
+          <a:lstStyle/>
+          <a:p>
+            <a:r>
+              <a:rPr lang="en-US" dirty="0"/>
+              <a:t>2.</a:t>
+            </a:r>
+          </a:p>
+        </p:txBody>
+      </p:sp>
+      <p:sp>
+        <p:nvSpPr>
+          <p:cNvPr id="18" name="TextBox 17">
+            <a:extLst>
+              <a:ext uri="{FF2B5EF4-FFF2-40B4-BE49-F238E27FC236}">
+                <a16:creationId xmlns:a16="http://schemas.microsoft.com/office/drawing/2014/main" id="{A2630E04-77E0-064A-B028-E0C2CB055D33}"/>
+              </a:ext>
+            </a:extLst>
+          </p:cNvPr>
+          <p:cNvSpPr txBox="1"/>
+          <p:nvPr/>
+        </p:nvSpPr>
+        <p:spPr>
+          <a:xfrm>
+            <a:off x="5875728" y="4520188"/>
+            <a:ext cx="409433" cy="369332"/>
+          </a:xfrm>
+          <a:prstGeom prst="rect">
+            <a:avLst/>
+          </a:prstGeom>
+          <a:noFill/>
+        </p:spPr>
+        <p:txBody>
+          <a:bodyPr wrap="square" rtlCol="0">
+            <a:spAutoFit/>
+          </a:bodyPr>
+          <a:lstStyle/>
+          <a:p>
+            <a:r>
+              <a:rPr lang="en-US" dirty="0"/>
+              <a:t>3.</a:t>
+            </a:r>
+          </a:p>
+        </p:txBody>
+      </p:sp>
+      <p:sp>
+        <p:nvSpPr>
+          <p:cNvPr id="19" name="TextBox 18">
+            <a:extLst>
+              <a:ext uri="{FF2B5EF4-FFF2-40B4-BE49-F238E27FC236}">
+                <a16:creationId xmlns:a16="http://schemas.microsoft.com/office/drawing/2014/main" id="{DF704DF9-7709-E842-A64F-51428B32B4C0}"/>
+              </a:ext>
+            </a:extLst>
+          </p:cNvPr>
+          <p:cNvSpPr txBox="1"/>
+          <p:nvPr/>
+        </p:nvSpPr>
+        <p:spPr>
+          <a:xfrm>
+            <a:off x="5875728" y="5847431"/>
+            <a:ext cx="409433" cy="369332"/>
+          </a:xfrm>
+          <a:prstGeom prst="rect">
+            <a:avLst/>
+          </a:prstGeom>
+          <a:noFill/>
+        </p:spPr>
+        <p:txBody>
+          <a:bodyPr wrap="square" rtlCol="0">
+            <a:spAutoFit/>
+          </a:bodyPr>
+          <a:lstStyle/>
+          <a:p>
+            <a:r>
+              <a:rPr lang="en-US" dirty="0"/>
+              <a:t>4.</a:t>
+            </a:r>
+          </a:p>
+        </p:txBody>
+      </p:sp>
       <p:pic>
         <p:nvPicPr>
-          <p:cNvPr id="15" name="Picture 14">
+          <p:cNvPr id="3" name="Picture 2">
             <a:extLst>
               <a:ext uri="{FF2B5EF4-FFF2-40B4-BE49-F238E27FC236}">
-                <a16:creationId xmlns:a16="http://schemas.microsoft.com/office/drawing/2014/main" id="{69D5C6CA-2EFD-AE42-80BF-2CF5A91C790B}"/>
+                <a16:creationId xmlns:a16="http://schemas.microsoft.com/office/drawing/2014/main" id="{8A140502-CA16-584A-A4B0-62CB50AFF85C}"/>
               </a:ext>
             </a:extLst>
           </p:cNvPr>
@@ -6515,154 +6679,14 @@
         </p:blipFill>
         <p:spPr>
           <a:xfrm>
-            <a:off x="6368795" y="2868653"/>
-            <a:ext cx="2616161" cy="1339225"/>
+            <a:off x="6546084" y="2930805"/>
+            <a:ext cx="2306776" cy="1324042"/>
           </a:xfrm>
           <a:prstGeom prst="rect">
             <a:avLst/>
           </a:prstGeom>
         </p:spPr>
       </p:pic>
-      <p:sp>
-        <p:nvSpPr>
-          <p:cNvPr id="16" name="TextBox 15">
-            <a:extLst>
-              <a:ext uri="{FF2B5EF4-FFF2-40B4-BE49-F238E27FC236}">
-                <a16:creationId xmlns:a16="http://schemas.microsoft.com/office/drawing/2014/main" id="{339DEC00-5B65-1248-B0A4-C686FE2710F6}"/>
-              </a:ext>
-            </a:extLst>
-          </p:cNvPr>
-          <p:cNvSpPr txBox="1"/>
-          <p:nvPr/>
-        </p:nvSpPr>
-        <p:spPr>
-          <a:xfrm>
-            <a:off x="6054995" y="1892074"/>
-            <a:ext cx="409433" cy="369332"/>
-          </a:xfrm>
-          <a:prstGeom prst="rect">
-            <a:avLst/>
-          </a:prstGeom>
-          <a:noFill/>
-        </p:spPr>
-        <p:txBody>
-          <a:bodyPr wrap="square" rtlCol="0">
-            <a:spAutoFit/>
-          </a:bodyPr>
-          <a:lstStyle/>
-          <a:p>
-            <a:r>
-              <a:rPr lang="en-US" dirty="0"/>
-              <a:t>1.</a:t>
-            </a:r>
-          </a:p>
-        </p:txBody>
-      </p:sp>
-      <p:sp>
-        <p:nvSpPr>
-          <p:cNvPr id="17" name="TextBox 16">
-            <a:extLst>
-              <a:ext uri="{FF2B5EF4-FFF2-40B4-BE49-F238E27FC236}">
-                <a16:creationId xmlns:a16="http://schemas.microsoft.com/office/drawing/2014/main" id="{AC398BBC-B8DA-4E40-9056-6D8FB87DDC76}"/>
-              </a:ext>
-            </a:extLst>
-          </p:cNvPr>
-          <p:cNvSpPr txBox="1"/>
-          <p:nvPr/>
-        </p:nvSpPr>
-        <p:spPr>
-          <a:xfrm>
-            <a:off x="5875728" y="3168934"/>
-            <a:ext cx="409433" cy="369332"/>
-          </a:xfrm>
-          <a:prstGeom prst="rect">
-            <a:avLst/>
-          </a:prstGeom>
-          <a:noFill/>
-        </p:spPr>
-        <p:txBody>
-          <a:bodyPr wrap="square" rtlCol="0">
-            <a:spAutoFit/>
-          </a:bodyPr>
-          <a:lstStyle/>
-          <a:p>
-            <a:r>
-              <a:rPr lang="en-US" dirty="0"/>
-              <a:t>2.</a:t>
-            </a:r>
-          </a:p>
-        </p:txBody>
-      </p:sp>
-      <p:sp>
-        <p:nvSpPr>
-          <p:cNvPr id="18" name="TextBox 17">
-            <a:extLst>
-              <a:ext uri="{FF2B5EF4-FFF2-40B4-BE49-F238E27FC236}">
-                <a16:creationId xmlns:a16="http://schemas.microsoft.com/office/drawing/2014/main" id="{A2630E04-77E0-064A-B028-E0C2CB055D33}"/>
-              </a:ext>
-            </a:extLst>
-          </p:cNvPr>
-          <p:cNvSpPr txBox="1"/>
-          <p:nvPr/>
-        </p:nvSpPr>
-        <p:spPr>
-          <a:xfrm>
-            <a:off x="5875728" y="4520188"/>
-            <a:ext cx="409433" cy="369332"/>
-          </a:xfrm>
-          <a:prstGeom prst="rect">
-            <a:avLst/>
-          </a:prstGeom>
-          <a:noFill/>
-        </p:spPr>
-        <p:txBody>
-          <a:bodyPr wrap="square" rtlCol="0">
-            <a:spAutoFit/>
-          </a:bodyPr>
-          <a:lstStyle/>
-          <a:p>
-            <a:r>
-              <a:rPr lang="en-US" dirty="0"/>
-              <a:t>3.</a:t>
-            </a:r>
-          </a:p>
-        </p:txBody>
-      </p:sp>
-      <p:sp>
-        <p:nvSpPr>
-          <p:cNvPr id="19" name="TextBox 18">
-            <a:extLst>
-              <a:ext uri="{FF2B5EF4-FFF2-40B4-BE49-F238E27FC236}">
-                <a16:creationId xmlns:a16="http://schemas.microsoft.com/office/drawing/2014/main" id="{DF704DF9-7709-E842-A64F-51428B32B4C0}"/>
-              </a:ext>
-            </a:extLst>
-          </p:cNvPr>
-          <p:cNvSpPr txBox="1"/>
-          <p:nvPr/>
-        </p:nvSpPr>
-        <p:spPr>
-          <a:xfrm>
-            <a:off x="5875728" y="5847431"/>
-            <a:ext cx="409433" cy="369332"/>
-          </a:xfrm>
-          <a:prstGeom prst="rect">
-            <a:avLst/>
-          </a:prstGeom>
-          <a:noFill/>
-        </p:spPr>
-        <p:txBody>
-          <a:bodyPr wrap="square" rtlCol="0">
-            <a:spAutoFit/>
-          </a:bodyPr>
-          <a:lstStyle/>
-          <a:p>
-            <a:r>
-              <a:rPr lang="en-US" dirty="0"/>
-              <a:t>4.</a:t>
-            </a:r>
-          </a:p>
-        </p:txBody>
-      </p:sp>
     </p:spTree>
     <p:extLst>
       <p:ext uri="{BB962C8B-B14F-4D97-AF65-F5344CB8AC3E}">
